--- a/assets/docs/SitecoreChat.pptx
+++ b/assets/docs/SitecoreChat.pptx
@@ -254,7 +254,7 @@
           <a:p>
             <a:fld id="{B8A288C1-5C50-4D26-941D-E6056E3D24D5}" type="datetimeFigureOut">
               <a:rPr lang="en-US" smtClean="0"/>
-              <a:t>3/14/2019</a:t>
+              <a:t>6/6/2019</a:t>
             </a:fld>
             <a:endParaRPr lang="en-US"/>
           </a:p>
@@ -424,7 +424,7 @@
           <a:p>
             <a:fld id="{B8A288C1-5C50-4D26-941D-E6056E3D24D5}" type="datetimeFigureOut">
               <a:rPr lang="en-US" smtClean="0"/>
-              <a:t>3/14/2019</a:t>
+              <a:t>6/6/2019</a:t>
             </a:fld>
             <a:endParaRPr lang="en-US"/>
           </a:p>
@@ -604,7 +604,7 @@
           <a:p>
             <a:fld id="{B8A288C1-5C50-4D26-941D-E6056E3D24D5}" type="datetimeFigureOut">
               <a:rPr lang="en-US" smtClean="0"/>
-              <a:t>3/14/2019</a:t>
+              <a:t>6/6/2019</a:t>
             </a:fld>
             <a:endParaRPr lang="en-US"/>
           </a:p>
@@ -774,7 +774,7 @@
           <a:p>
             <a:fld id="{B8A288C1-5C50-4D26-941D-E6056E3D24D5}" type="datetimeFigureOut">
               <a:rPr lang="en-US" smtClean="0"/>
-              <a:t>3/14/2019</a:t>
+              <a:t>6/6/2019</a:t>
             </a:fld>
             <a:endParaRPr lang="en-US"/>
           </a:p>
@@ -1020,7 +1020,7 @@
           <a:p>
             <a:fld id="{B8A288C1-5C50-4D26-941D-E6056E3D24D5}" type="datetimeFigureOut">
               <a:rPr lang="en-US" smtClean="0"/>
-              <a:t>3/14/2019</a:t>
+              <a:t>6/6/2019</a:t>
             </a:fld>
             <a:endParaRPr lang="en-US"/>
           </a:p>
@@ -1252,7 +1252,7 @@
           <a:p>
             <a:fld id="{B8A288C1-5C50-4D26-941D-E6056E3D24D5}" type="datetimeFigureOut">
               <a:rPr lang="en-US" smtClean="0"/>
-              <a:t>3/14/2019</a:t>
+              <a:t>6/6/2019</a:t>
             </a:fld>
             <a:endParaRPr lang="en-US"/>
           </a:p>
@@ -1619,7 +1619,7 @@
           <a:p>
             <a:fld id="{B8A288C1-5C50-4D26-941D-E6056E3D24D5}" type="datetimeFigureOut">
               <a:rPr lang="en-US" smtClean="0"/>
-              <a:t>3/14/2019</a:t>
+              <a:t>6/6/2019</a:t>
             </a:fld>
             <a:endParaRPr lang="en-US"/>
           </a:p>
@@ -1737,7 +1737,7 @@
           <a:p>
             <a:fld id="{B8A288C1-5C50-4D26-941D-E6056E3D24D5}" type="datetimeFigureOut">
               <a:rPr lang="en-US" smtClean="0"/>
-              <a:t>3/14/2019</a:t>
+              <a:t>6/6/2019</a:t>
             </a:fld>
             <a:endParaRPr lang="en-US"/>
           </a:p>
@@ -1832,7 +1832,7 @@
           <a:p>
             <a:fld id="{B8A288C1-5C50-4D26-941D-E6056E3D24D5}" type="datetimeFigureOut">
               <a:rPr lang="en-US" smtClean="0"/>
-              <a:t>3/14/2019</a:t>
+              <a:t>6/6/2019</a:t>
             </a:fld>
             <a:endParaRPr lang="en-US"/>
           </a:p>
@@ -2109,7 +2109,7 @@
           <a:p>
             <a:fld id="{B8A288C1-5C50-4D26-941D-E6056E3D24D5}" type="datetimeFigureOut">
               <a:rPr lang="en-US" smtClean="0"/>
-              <a:t>3/14/2019</a:t>
+              <a:t>6/6/2019</a:t>
             </a:fld>
             <a:endParaRPr lang="en-US"/>
           </a:p>
@@ -2366,7 +2366,7 @@
           <a:p>
             <a:fld id="{B8A288C1-5C50-4D26-941D-E6056E3D24D5}" type="datetimeFigureOut">
               <a:rPr lang="en-US" smtClean="0"/>
-              <a:t>3/14/2019</a:t>
+              <a:t>6/6/2019</a:t>
             </a:fld>
             <a:endParaRPr lang="en-US"/>
           </a:p>
@@ -2579,7 +2579,7 @@
           <a:p>
             <a:fld id="{B8A288C1-5C50-4D26-941D-E6056E3D24D5}" type="datetimeFigureOut">
               <a:rPr lang="en-US" smtClean="0"/>
-              <a:t>3/14/2019</a:t>
+              <a:t>6/6/2019</a:t>
             </a:fld>
             <a:endParaRPr lang="en-US"/>
           </a:p>
@@ -3030,7 +3030,7 @@
           <a:bodyPr/>
           <a:lstStyle/>
           <a:p>
-            <a:endParaRPr lang="en-US"/>
+            <a:endParaRPr lang="en-US" dirty="0"/>
           </a:p>
         </p:txBody>
       </p:sp>
@@ -3081,36 +3081,6 @@
           </a:extLst>
         </p:spPr>
       </p:pic>
-      <p:pic>
-        <p:nvPicPr>
-          <p:cNvPr id="5" name="Picture 4">
-            <a:extLst>
-              <a:ext uri="{FF2B5EF4-FFF2-40B4-BE49-F238E27FC236}">
-                <a16:creationId xmlns:a16="http://schemas.microsoft.com/office/drawing/2014/main" id="{C9B7DCFC-2272-4152-954A-B45770B1A87C}"/>
-              </a:ext>
-            </a:extLst>
-          </p:cNvPr>
-          <p:cNvPicPr>
-            <a:picLocks noChangeAspect="1"/>
-          </p:cNvPicPr>
-          <p:nvPr/>
-        </p:nvPicPr>
-        <p:blipFill>
-          <a:blip r:embed="rId3"/>
-          <a:stretch>
-            <a:fillRect/>
-          </a:stretch>
-        </p:blipFill>
-        <p:spPr>
-          <a:xfrm>
-            <a:off x="9265539" y="342992"/>
-            <a:ext cx="2095238" cy="733333"/>
-          </a:xfrm>
-          <a:prstGeom prst="rect">
-            <a:avLst/>
-          </a:prstGeom>
-        </p:spPr>
-      </p:pic>
       <p:sp>
         <p:nvSpPr>
           <p:cNvPr id="7" name="TextBox 6">
@@ -3176,7 +3146,7 @@
           <a:p>
             <a:r>
               <a:rPr lang="en-US" sz="2000" dirty="0"/>
-              <a:t>4721 Members</a:t>
+              <a:t>5011 Members</a:t>
             </a:r>
           </a:p>
         </p:txBody>
@@ -3213,6 +3183,42 @@
               <a:rPr lang="en-US" sz="2000" dirty="0"/>
               <a:t>1087 Active Members</a:t>
             </a:r>
+          </a:p>
+        </p:txBody>
+      </p:sp>
+      <p:sp>
+        <p:nvSpPr>
+          <p:cNvPr id="9" name="TextBox 8">
+            <a:extLst>
+              <a:ext uri="{FF2B5EF4-FFF2-40B4-BE49-F238E27FC236}">
+                <a16:creationId xmlns:a16="http://schemas.microsoft.com/office/drawing/2014/main" id="{6B8C2A92-2556-43DA-A7C5-371EA953BB00}"/>
+              </a:ext>
+            </a:extLst>
+          </p:cNvPr>
+          <p:cNvSpPr txBox="1"/>
+          <p:nvPr/>
+        </p:nvSpPr>
+        <p:spPr>
+          <a:xfrm>
+            <a:off x="9265539" y="411764"/>
+            <a:ext cx="2292824" cy="830997"/>
+          </a:xfrm>
+          <a:prstGeom prst="rect">
+            <a:avLst/>
+          </a:prstGeom>
+          <a:noFill/>
+        </p:spPr>
+        <p:txBody>
+          <a:bodyPr wrap="square" rtlCol="0">
+            <a:spAutoFit/>
+          </a:bodyPr>
+          <a:lstStyle/>
+          <a:p>
+            <a:r>
+              <a:rPr lang="en-US" sz="2400" dirty="0"/>
+              <a:t>1,892,219 Messages Sent</a:t>
+            </a:r>
+            <a:endParaRPr lang="en-US" sz="2800" dirty="0"/>
           </a:p>
         </p:txBody>
       </p:sp>
